--- a/Documentations/03. Presentation/G04_shows.pptx
+++ b/Documentations/03. Presentation/G04_shows.pptx
@@ -280,7 +280,7 @@
       </p15:notesGuideLst>
     </p:ext>
     <p:ext uri="http://customooxmlschemas.google.com/">
-      <go:slidesCustomData xmlns:go="http://customooxmlschemas.google.com/" xmlns:ahyp="http://schemas.microsoft.com/office/drawing/2018/hyperlinkcolor" xmlns:p15="http://schemas.microsoft.com/office/powerpoint/2012/main" xmlns:p14="http://schemas.microsoft.com/office/powerpoint/2010/main" xmlns:com="http://schemas.openxmlformats.org/drawingml/2006/compatibility" xmlns:pvml="urn:schemas-microsoft-com:office:powerpoint" xmlns:v="urn:schemas-microsoft-com:vml" xmlns:o="urn:schemas-microsoft-com:office:office" xmlns:dgm="http://schemas.openxmlformats.org/drawingml/2006/diagram" xmlns:c="http://schemas.openxmlformats.org/drawingml/2006/chart" xmlns:mv="urn:schemas-microsoft-com:mac:vml" xmlns:mc="http://schemas.openxmlformats.org/markup-compatibility/2006" xmlns="" r:id="rId17" roundtripDataSignature="AMtx7mg5OY3R0pAxevg+fgTNWSftGfx/ow=="/>
+      <go:slidesCustomData xmlns="" xmlns:mc="http://schemas.openxmlformats.org/markup-compatibility/2006" xmlns:mv="urn:schemas-microsoft-com:mac:vml" xmlns:c="http://schemas.openxmlformats.org/drawingml/2006/chart" xmlns:dgm="http://schemas.openxmlformats.org/drawingml/2006/diagram" xmlns:o="urn:schemas-microsoft-com:office:office" xmlns:v="urn:schemas-microsoft-com:vml" xmlns:pvml="urn:schemas-microsoft-com:office:powerpoint" xmlns:com="http://schemas.openxmlformats.org/drawingml/2006/compatibility" xmlns:p14="http://schemas.microsoft.com/office/powerpoint/2010/main" xmlns:p15="http://schemas.microsoft.com/office/powerpoint/2012/main" xmlns:ahyp="http://schemas.microsoft.com/office/drawing/2018/hyperlinkcolor" xmlns:go="http://customooxmlschemas.google.com/" r:id="rId17" roundtripDataSignature="AMtx7mg5OY3R0pAxevg+fgTNWSftGfx/ow=="/>
     </p:ext>
   </p:extLst>
 </p:presentation>
@@ -11067,14 +11067,14 @@
           <p:nvPr>
             <p:extLst>
               <p:ext uri="{D42A27DB-BD31-4B8C-83A1-F6EECF244321}">
-                <p14:modId xmlns:p14="http://schemas.microsoft.com/office/powerpoint/2010/main" val="2517071137"/>
+                <p14:modId xmlns:p14="http://schemas.microsoft.com/office/powerpoint/2010/main" val="136503038"/>
               </p:ext>
             </p:extLst>
           </p:nvPr>
         </p:nvGraphicFramePr>
         <p:xfrm>
           <a:off x="107156" y="914406"/>
-          <a:ext cx="8929687" cy="5588000"/>
+          <a:ext cx="8929687" cy="5638721"/>
         </p:xfrm>
         <a:graphic>
           <a:graphicData uri="http://schemas.openxmlformats.org/drawingml/2006/table">
@@ -15396,12 +15396,14 @@
                         </a:spcAft>
                       </a:pPr>
                       <a:r>
-                        <a:rPr lang="en-GB" sz="700">
+                        <a:rPr lang="en-GB" sz="700" dirty="0" smtClean="0">
                           <a:effectLst/>
+                          <a:latin typeface=""/>
+                          <a:ea typeface="Times New Roman" panose="02020603050405020304" pitchFamily="18" charset="0"/>
                         </a:rPr>
-                        <a:t>N/A</a:t>
-                      </a:r>
-                      <a:endParaRPr lang="en-US" sz="800">
+                        <a:t>OK</a:t>
+                      </a:r>
+                      <a:endParaRPr lang="en-US" sz="800" dirty="0">
                         <a:effectLst/>
                         <a:latin typeface="Times New Roman" panose="02020603050405020304" pitchFamily="18" charset="0"/>
                         <a:ea typeface="Times New Roman" panose="02020603050405020304" pitchFamily="18" charset="0"/>
@@ -15583,12 +15585,14 @@
                         </a:spcAft>
                       </a:pPr>
                       <a:r>
-                        <a:rPr lang="en-GB" sz="700">
+                        <a:rPr lang="en-GB" sz="700" dirty="0" smtClean="0">
                           <a:effectLst/>
+                          <a:latin typeface=""/>
+                          <a:ea typeface="Times New Roman" panose="02020603050405020304" pitchFamily="18" charset="0"/>
                         </a:rPr>
-                        <a:t>N/A</a:t>
-                      </a:r>
-                      <a:endParaRPr lang="en-US" sz="800">
+                        <a:t>OK</a:t>
+                      </a:r>
+                      <a:endParaRPr lang="en-US" sz="800" dirty="0">
                         <a:effectLst/>
                         <a:latin typeface="Times New Roman" panose="02020603050405020304" pitchFamily="18" charset="0"/>
                         <a:ea typeface="Times New Roman" panose="02020603050405020304" pitchFamily="18" charset="0"/>
